--- a/Chuyển dữ liệu giữa 2 trang Web.pptx
+++ b/Chuyển dữ liệu giữa 2 trang Web.pptx
@@ -13,7 +13,9 @@
     <p:sldId id="261" r:id="rId7"/>
     <p:sldId id="262" r:id="rId8"/>
     <p:sldId id="263" r:id="rId9"/>
-    <p:sldId id="264" r:id="rId10"/>
+    <p:sldId id="265" r:id="rId10"/>
+    <p:sldId id="266" r:id="rId11"/>
+    <p:sldId id="264" r:id="rId12"/>
   </p:sldIdLst>
   <p:sldSz cx="12192000" cy="6858000"/>
   <p:notesSz cx="6858000" cy="9144000"/>
@@ -267,7 +269,7 @@
           <a:p>
             <a:fld id="{C9550354-EAC9-4D91-A3D0-601412294055}" type="datetimeFigureOut">
               <a:rPr lang="en-US" smtClean="0"/>
-              <a:t>10/10/2024</a:t>
+              <a:t>11/10/2024</a:t>
             </a:fld>
             <a:endParaRPr lang="en-US"/>
           </a:p>
@@ -465,7 +467,7 @@
           <a:p>
             <a:fld id="{C9550354-EAC9-4D91-A3D0-601412294055}" type="datetimeFigureOut">
               <a:rPr lang="en-US" smtClean="0"/>
-              <a:t>10/10/2024</a:t>
+              <a:t>11/10/2024</a:t>
             </a:fld>
             <a:endParaRPr lang="en-US"/>
           </a:p>
@@ -673,7 +675,7 @@
           <a:p>
             <a:fld id="{C9550354-EAC9-4D91-A3D0-601412294055}" type="datetimeFigureOut">
               <a:rPr lang="en-US" smtClean="0"/>
-              <a:t>10/10/2024</a:t>
+              <a:t>11/10/2024</a:t>
             </a:fld>
             <a:endParaRPr lang="en-US"/>
           </a:p>
@@ -871,7 +873,7 @@
           <a:p>
             <a:fld id="{C9550354-EAC9-4D91-A3D0-601412294055}" type="datetimeFigureOut">
               <a:rPr lang="en-US" smtClean="0"/>
-              <a:t>10/10/2024</a:t>
+              <a:t>11/10/2024</a:t>
             </a:fld>
             <a:endParaRPr lang="en-US"/>
           </a:p>
@@ -1146,7 +1148,7 @@
           <a:p>
             <a:fld id="{C9550354-EAC9-4D91-A3D0-601412294055}" type="datetimeFigureOut">
               <a:rPr lang="en-US" smtClean="0"/>
-              <a:t>10/10/2024</a:t>
+              <a:t>11/10/2024</a:t>
             </a:fld>
             <a:endParaRPr lang="en-US"/>
           </a:p>
@@ -1411,7 +1413,7 @@
           <a:p>
             <a:fld id="{C9550354-EAC9-4D91-A3D0-601412294055}" type="datetimeFigureOut">
               <a:rPr lang="en-US" smtClean="0"/>
-              <a:t>10/10/2024</a:t>
+              <a:t>11/10/2024</a:t>
             </a:fld>
             <a:endParaRPr lang="en-US"/>
           </a:p>
@@ -1823,7 +1825,7 @@
           <a:p>
             <a:fld id="{C9550354-EAC9-4D91-A3D0-601412294055}" type="datetimeFigureOut">
               <a:rPr lang="en-US" smtClean="0"/>
-              <a:t>10/10/2024</a:t>
+              <a:t>11/10/2024</a:t>
             </a:fld>
             <a:endParaRPr lang="en-US"/>
           </a:p>
@@ -1964,7 +1966,7 @@
           <a:p>
             <a:fld id="{C9550354-EAC9-4D91-A3D0-601412294055}" type="datetimeFigureOut">
               <a:rPr lang="en-US" smtClean="0"/>
-              <a:t>10/10/2024</a:t>
+              <a:t>11/10/2024</a:t>
             </a:fld>
             <a:endParaRPr lang="en-US"/>
           </a:p>
@@ -2077,7 +2079,7 @@
           <a:p>
             <a:fld id="{C9550354-EAC9-4D91-A3D0-601412294055}" type="datetimeFigureOut">
               <a:rPr lang="en-US" smtClean="0"/>
-              <a:t>10/10/2024</a:t>
+              <a:t>11/10/2024</a:t>
             </a:fld>
             <a:endParaRPr lang="en-US"/>
           </a:p>
@@ -2388,7 +2390,7 @@
           <a:p>
             <a:fld id="{C9550354-EAC9-4D91-A3D0-601412294055}" type="datetimeFigureOut">
               <a:rPr lang="en-US" smtClean="0"/>
-              <a:t>10/10/2024</a:t>
+              <a:t>11/10/2024</a:t>
             </a:fld>
             <a:endParaRPr lang="en-US"/>
           </a:p>
@@ -2676,7 +2678,7 @@
           <a:p>
             <a:fld id="{C9550354-EAC9-4D91-A3D0-601412294055}" type="datetimeFigureOut">
               <a:rPr lang="en-US" smtClean="0"/>
-              <a:t>10/10/2024</a:t>
+              <a:t>11/10/2024</a:t>
             </a:fld>
             <a:endParaRPr lang="en-US"/>
           </a:p>
@@ -2917,7 +2919,7 @@
           <a:p>
             <a:fld id="{C9550354-EAC9-4D91-A3D0-601412294055}" type="datetimeFigureOut">
               <a:rPr lang="en-US" smtClean="0"/>
-              <a:t>10/10/2024</a:t>
+              <a:t>11/10/2024</a:t>
             </a:fld>
             <a:endParaRPr lang="en-US"/>
           </a:p>
@@ -3350,12 +3352,20 @@
             <p:ph type="ctrTitle"/>
           </p:nvPr>
         </p:nvSpPr>
-        <p:spPr/>
-        <p:txBody>
-          <a:bodyPr/>
-          <a:lstStyle/>
-          <a:p>
-            <a:endParaRPr lang="en-US"/>
+        <p:spPr>
+          <a:xfrm>
+            <a:off x="0" y="1417320"/>
+            <a:ext cx="12192000" cy="1188720"/>
+          </a:xfrm>
+        </p:spPr>
+        <p:txBody>
+          <a:bodyPr/>
+          <a:lstStyle/>
+          <a:p>
+            <a:r>
+              <a:rPr lang="en-US"/>
+              <a:t>Nhập xuất dữ liệu giữa 2 trang Web.</a:t>
+            </a:r>
           </a:p>
         </p:txBody>
       </p:sp>
@@ -3388,6 +3398,166 @@
     <p:extLst>
       <p:ext uri="{BB962C8B-B14F-4D97-AF65-F5344CB8AC3E}">
         <p14:creationId xmlns:p14="http://schemas.microsoft.com/office/powerpoint/2010/main" val="4102292608"/>
+      </p:ext>
+    </p:extLst>
+  </p:cSld>
+  <p:clrMapOvr>
+    <a:masterClrMapping/>
+  </p:clrMapOvr>
+</p:sld>
+</file>
+
+<file path=ppt/slides/slide10.xml><?xml version="1.0" encoding="utf-8"?>
+<p:sld xmlns:a="http://schemas.openxmlformats.org/drawingml/2006/main" xmlns:r="http://schemas.openxmlformats.org/officeDocument/2006/relationships" xmlns:p="http://schemas.openxmlformats.org/presentationml/2006/main">
+  <p:cSld>
+    <p:spTree>
+      <p:nvGrpSpPr>
+        <p:cNvPr id="1" name=""/>
+        <p:cNvGrpSpPr/>
+        <p:nvPr/>
+      </p:nvGrpSpPr>
+      <p:grpSpPr>
+        <a:xfrm>
+          <a:off x="0" y="0"/>
+          <a:ext cx="0" cy="0"/>
+          <a:chOff x="0" y="0"/>
+          <a:chExt cx="0" cy="0"/>
+        </a:xfrm>
+      </p:grpSpPr>
+      <p:sp>
+        <p:nvSpPr>
+          <p:cNvPr id="2" name="Title 1">
+            <a:extLst>
+              <a:ext uri="{FF2B5EF4-FFF2-40B4-BE49-F238E27FC236}">
+                <a16:creationId xmlns:a16="http://schemas.microsoft.com/office/drawing/2014/main" id="{593B04D3-884A-477D-BEC4-A00A1A5B7611}"/>
+              </a:ext>
+            </a:extLst>
+          </p:cNvPr>
+          <p:cNvSpPr>
+            <a:spLocks noGrp="1"/>
+          </p:cNvSpPr>
+          <p:nvPr>
+            <p:ph type="title"/>
+          </p:nvPr>
+        </p:nvSpPr>
+        <p:spPr/>
+        <p:txBody>
+          <a:bodyPr/>
+          <a:lstStyle/>
+          <a:p>
+            <a:endParaRPr lang="en-US"/>
+          </a:p>
+        </p:txBody>
+      </p:sp>
+      <p:sp>
+        <p:nvSpPr>
+          <p:cNvPr id="3" name="Content Placeholder 2">
+            <a:extLst>
+              <a:ext uri="{FF2B5EF4-FFF2-40B4-BE49-F238E27FC236}">
+                <a16:creationId xmlns:a16="http://schemas.microsoft.com/office/drawing/2014/main" id="{6076C609-B7F6-46E1-A8BB-7CC3D489B635}"/>
+              </a:ext>
+            </a:extLst>
+          </p:cNvPr>
+          <p:cNvSpPr>
+            <a:spLocks noGrp="1"/>
+          </p:cNvSpPr>
+          <p:nvPr>
+            <p:ph idx="1"/>
+          </p:nvPr>
+        </p:nvSpPr>
+        <p:spPr/>
+        <p:txBody>
+          <a:bodyPr/>
+          <a:lstStyle/>
+          <a:p>
+            <a:endParaRPr lang="en-US"/>
+          </a:p>
+        </p:txBody>
+      </p:sp>
+    </p:spTree>
+    <p:extLst>
+      <p:ext uri="{BB962C8B-B14F-4D97-AF65-F5344CB8AC3E}">
+        <p14:creationId xmlns:p14="http://schemas.microsoft.com/office/powerpoint/2010/main" val="3616565699"/>
+      </p:ext>
+    </p:extLst>
+  </p:cSld>
+  <p:clrMapOvr>
+    <a:masterClrMapping/>
+  </p:clrMapOvr>
+</p:sld>
+</file>
+
+<file path=ppt/slides/slide11.xml><?xml version="1.0" encoding="utf-8"?>
+<p:sld xmlns:a="http://schemas.openxmlformats.org/drawingml/2006/main" xmlns:r="http://schemas.openxmlformats.org/officeDocument/2006/relationships" xmlns:p="http://schemas.openxmlformats.org/presentationml/2006/main">
+  <p:cSld>
+    <p:spTree>
+      <p:nvGrpSpPr>
+        <p:cNvPr id="1" name=""/>
+        <p:cNvGrpSpPr/>
+        <p:nvPr/>
+      </p:nvGrpSpPr>
+      <p:grpSpPr>
+        <a:xfrm>
+          <a:off x="0" y="0"/>
+          <a:ext cx="0" cy="0"/>
+          <a:chOff x="0" y="0"/>
+          <a:chExt cx="0" cy="0"/>
+        </a:xfrm>
+      </p:grpSpPr>
+      <p:sp>
+        <p:nvSpPr>
+          <p:cNvPr id="2" name="Title 1">
+            <a:extLst>
+              <a:ext uri="{FF2B5EF4-FFF2-40B4-BE49-F238E27FC236}">
+                <a16:creationId xmlns:a16="http://schemas.microsoft.com/office/drawing/2014/main" id="{D6A7FF7D-8F5F-48B2-B254-C186AD6254AA}"/>
+              </a:ext>
+            </a:extLst>
+          </p:cNvPr>
+          <p:cNvSpPr>
+            <a:spLocks noGrp="1"/>
+          </p:cNvSpPr>
+          <p:nvPr>
+            <p:ph type="title"/>
+          </p:nvPr>
+        </p:nvSpPr>
+        <p:spPr/>
+        <p:txBody>
+          <a:bodyPr/>
+          <a:lstStyle/>
+          <a:p>
+            <a:endParaRPr lang="en-US"/>
+          </a:p>
+        </p:txBody>
+      </p:sp>
+      <p:sp>
+        <p:nvSpPr>
+          <p:cNvPr id="3" name="Content Placeholder 2">
+            <a:extLst>
+              <a:ext uri="{FF2B5EF4-FFF2-40B4-BE49-F238E27FC236}">
+                <a16:creationId xmlns:a16="http://schemas.microsoft.com/office/drawing/2014/main" id="{EAB1489A-CF1F-4A5D-913C-4501BA4FBD0F}"/>
+              </a:ext>
+            </a:extLst>
+          </p:cNvPr>
+          <p:cNvSpPr>
+            <a:spLocks noGrp="1"/>
+          </p:cNvSpPr>
+          <p:nvPr>
+            <p:ph idx="1"/>
+          </p:nvPr>
+        </p:nvSpPr>
+        <p:spPr/>
+        <p:txBody>
+          <a:bodyPr/>
+          <a:lstStyle/>
+          <a:p>
+            <a:endParaRPr lang="en-US"/>
+          </a:p>
+        </p:txBody>
+      </p:sp>
+    </p:spTree>
+    <p:extLst>
+      <p:ext uri="{BB962C8B-B14F-4D97-AF65-F5344CB8AC3E}">
+        <p14:creationId xmlns:p14="http://schemas.microsoft.com/office/powerpoint/2010/main" val="716349273"/>
       </p:ext>
     </p:extLst>
   </p:cSld>
@@ -3574,7 +3744,7 @@
         </p:blipFill>
         <p:spPr>
           <a:xfrm>
-            <a:off x="409705" y="447521"/>
+            <a:off x="409705" y="721841"/>
             <a:ext cx="9050013" cy="1042951"/>
           </a:xfrm>
           <a:prstGeom prst="rect">
@@ -3596,7 +3766,7 @@
         </p:nvSpPr>
         <p:spPr>
           <a:xfrm>
-            <a:off x="676656" y="2240280"/>
+            <a:off x="1848611" y="2084832"/>
             <a:ext cx="6172200" cy="369332"/>
           </a:xfrm>
           <a:prstGeom prst="rect">
@@ -3647,12 +3817,47 @@
           <a:chExt cx="0" cy="0"/>
         </a:xfrm>
       </p:grpSpPr>
+      <p:sp>
+        <p:nvSpPr>
+          <p:cNvPr id="2" name="TextBox 1">
+            <a:extLst>
+              <a:ext uri="{FF2B5EF4-FFF2-40B4-BE49-F238E27FC236}">
+                <a16:creationId xmlns:a16="http://schemas.microsoft.com/office/drawing/2014/main" id="{F1434D82-4147-486B-A0D8-DD3BA7C64398}"/>
+              </a:ext>
+            </a:extLst>
+          </p:cNvPr>
+          <p:cNvSpPr txBox="1"/>
+          <p:nvPr/>
+        </p:nvSpPr>
+        <p:spPr>
+          <a:xfrm>
+            <a:off x="155448" y="356616"/>
+            <a:ext cx="5120640" cy="369332"/>
+          </a:xfrm>
+          <a:prstGeom prst="rect">
+            <a:avLst/>
+          </a:prstGeom>
+          <a:noFill/>
+        </p:spPr>
+        <p:txBody>
+          <a:bodyPr wrap="square" rtlCol="0">
+            <a:spAutoFit/>
+          </a:bodyPr>
+          <a:lstStyle/>
+          <a:p>
+            <a:r>
+              <a:rPr lang="en-US"/>
+              <a:t>CÁCH XUẤT DỮ LIỆU TỪ MỘT TRANG WEB NÀO ĐÓ.</a:t>
+            </a:r>
+          </a:p>
+        </p:txBody>
+      </p:sp>
       <p:pic>
         <p:nvPicPr>
-          <p:cNvPr id="4" name="Picture 3">
-            <a:extLst>
-              <a:ext uri="{FF2B5EF4-FFF2-40B4-BE49-F238E27FC236}">
-                <a16:creationId xmlns:a16="http://schemas.microsoft.com/office/drawing/2014/main" id="{CF18A295-E3D4-4DBB-8260-F38B40EE626E}"/>
+          <p:cNvPr id="3" name="Picture 2">
+            <a:extLst>
+              <a:ext uri="{FF2B5EF4-FFF2-40B4-BE49-F238E27FC236}">
+                <a16:creationId xmlns:a16="http://schemas.microsoft.com/office/drawing/2014/main" id="{54E01364-672F-4014-9F2A-61B52E312846}"/>
               </a:ext>
             </a:extLst>
           </p:cNvPr>
@@ -3669,20 +3874,61 @@
         </p:blipFill>
         <p:spPr>
           <a:xfrm>
-            <a:off x="207858" y="448056"/>
-            <a:ext cx="11776284" cy="4191585"/>
+            <a:off x="391025" y="1298161"/>
+            <a:ext cx="2077855" cy="4115374"/>
           </a:xfrm>
           <a:prstGeom prst="rect">
             <a:avLst/>
           </a:prstGeom>
         </p:spPr>
       </p:pic>
-      <p:sp>
-        <p:nvSpPr>
-          <p:cNvPr id="5" name="TextBox 4">
-            <a:extLst>
-              <a:ext uri="{FF2B5EF4-FFF2-40B4-BE49-F238E27FC236}">
-                <a16:creationId xmlns:a16="http://schemas.microsoft.com/office/drawing/2014/main" id="{A606D4D5-A351-4897-9522-DC4F396C0939}"/>
+      <p:cxnSp>
+        <p:nvCxnSpPr>
+          <p:cNvPr id="7" name="Straight Arrow Connector 6">
+            <a:extLst>
+              <a:ext uri="{FF2B5EF4-FFF2-40B4-BE49-F238E27FC236}">
+                <a16:creationId xmlns:a16="http://schemas.microsoft.com/office/drawing/2014/main" id="{EC86653E-0BF9-4A08-9274-4AC9EC7F4457}"/>
+              </a:ext>
+            </a:extLst>
+          </p:cNvPr>
+          <p:cNvCxnSpPr>
+            <a:cxnSpLocks/>
+          </p:cNvCxnSpPr>
+          <p:nvPr/>
+        </p:nvCxnSpPr>
+        <p:spPr>
+          <a:xfrm flipV="1">
+            <a:off x="1517904" y="1261872"/>
+            <a:ext cx="1837944" cy="393192"/>
+          </a:xfrm>
+          <a:prstGeom prst="straightConnector1">
+            <a:avLst/>
+          </a:prstGeom>
+          <a:ln>
+            <a:tailEnd type="triangle"/>
+          </a:ln>
+        </p:spPr>
+        <p:style>
+          <a:lnRef idx="1">
+            <a:schemeClr val="dk1"/>
+          </a:lnRef>
+          <a:fillRef idx="0">
+            <a:schemeClr val="dk1"/>
+          </a:fillRef>
+          <a:effectRef idx="0">
+            <a:schemeClr val="dk1"/>
+          </a:effectRef>
+          <a:fontRef idx="minor">
+            <a:schemeClr val="tx1"/>
+          </a:fontRef>
+        </p:style>
+      </p:cxnSp>
+      <p:sp>
+        <p:nvSpPr>
+          <p:cNvPr id="9" name="TextBox 8">
+            <a:extLst>
+              <a:ext uri="{FF2B5EF4-FFF2-40B4-BE49-F238E27FC236}">
+                <a16:creationId xmlns:a16="http://schemas.microsoft.com/office/drawing/2014/main" id="{A1582C63-EF3F-409B-A605-59D8E3CA0669}"/>
               </a:ext>
             </a:extLst>
           </p:cNvPr>
@@ -3691,8 +3937,8 @@
         </p:nvSpPr>
         <p:spPr>
           <a:xfrm>
-            <a:off x="207858" y="5120640"/>
-            <a:ext cx="2889504" cy="369332"/>
+            <a:off x="3419856" y="1077206"/>
+            <a:ext cx="6025896" cy="369332"/>
           </a:xfrm>
           <a:prstGeom prst="rect">
             <a:avLst/>
@@ -3706,8 +3952,85 @@
           <a:lstStyle/>
           <a:p>
             <a:r>
-              <a:rPr lang="en-US"/>
-              <a:t>Cài Pugin để thông báo.</a:t>
+              <a:rPr lang="en-US" b="1" u="sng">
+                <a:solidFill>
+                  <a:srgbClr val="FF0000"/>
+                </a:solidFill>
+              </a:rPr>
+              <a:t>Không nên xuất toàn bộ nội dung, bị nặng và sẽ dễ bị gây lỗi</a:t>
+            </a:r>
+          </a:p>
+        </p:txBody>
+      </p:sp>
+      <p:pic>
+        <p:nvPicPr>
+          <p:cNvPr id="10" name="Picture 9">
+            <a:extLst>
+              <a:ext uri="{FF2B5EF4-FFF2-40B4-BE49-F238E27FC236}">
+                <a16:creationId xmlns:a16="http://schemas.microsoft.com/office/drawing/2014/main" id="{4B42EC8D-C289-4FD0-92E2-45E973FE8B38}"/>
+              </a:ext>
+            </a:extLst>
+          </p:cNvPr>
+          <p:cNvPicPr>
+            <a:picLocks noChangeAspect="1"/>
+          </p:cNvPicPr>
+          <p:nvPr/>
+        </p:nvPicPr>
+        <p:blipFill>
+          <a:blip r:embed="rId3"/>
+          <a:stretch>
+            <a:fillRect/>
+          </a:stretch>
+        </p:blipFill>
+        <p:spPr>
+          <a:xfrm>
+            <a:off x="5276088" y="3429000"/>
+            <a:ext cx="5325218" cy="1124107"/>
+          </a:xfrm>
+          <a:prstGeom prst="rect">
+            <a:avLst/>
+          </a:prstGeom>
+        </p:spPr>
+      </p:pic>
+      <p:sp>
+        <p:nvSpPr>
+          <p:cNvPr id="11" name="TextBox 10">
+            <a:extLst>
+              <a:ext uri="{FF2B5EF4-FFF2-40B4-BE49-F238E27FC236}">
+                <a16:creationId xmlns:a16="http://schemas.microsoft.com/office/drawing/2014/main" id="{7A08934A-3F47-45F0-8047-10EF7BC7A1FC}"/>
+              </a:ext>
+            </a:extLst>
+          </p:cNvPr>
+          <p:cNvSpPr txBox="1"/>
+          <p:nvPr/>
+        </p:nvSpPr>
+        <p:spPr>
+          <a:xfrm>
+            <a:off x="5367528" y="4937760"/>
+            <a:ext cx="3593592" cy="369332"/>
+          </a:xfrm>
+          <a:prstGeom prst="rect">
+            <a:avLst/>
+          </a:prstGeom>
+          <a:noFill/>
+        </p:spPr>
+        <p:txBody>
+          <a:bodyPr wrap="square" rtlCol="0">
+            <a:spAutoFit/>
+          </a:bodyPr>
+          <a:lstStyle/>
+          <a:p>
+            <a:r>
+              <a:rPr lang="en-US"/>
+              <a:t>Các File dữ liệu đ</a:t>
+            </a:r>
+            <a:r>
+              <a:rPr lang="vi-VN"/>
+              <a:t>ư</a:t>
+            </a:r>
+            <a:r>
+              <a:rPr lang="en-US"/>
+              <a:t>ợc xuất ra.</a:t>
             </a:r>
           </a:p>
         </p:txBody>
@@ -3758,37 +4081,148 @@
             <p:ph type="title"/>
           </p:nvPr>
         </p:nvSpPr>
-        <p:spPr/>
-        <p:txBody>
-          <a:bodyPr/>
-          <a:lstStyle/>
-          <a:p>
-            <a:endParaRPr lang="en-US"/>
-          </a:p>
-        </p:txBody>
-      </p:sp>
-      <p:sp>
-        <p:nvSpPr>
-          <p:cNvPr id="3" name="Content Placeholder 2">
-            <a:extLst>
-              <a:ext uri="{FF2B5EF4-FFF2-40B4-BE49-F238E27FC236}">
-                <a16:creationId xmlns:a16="http://schemas.microsoft.com/office/drawing/2014/main" id="{2E522A90-43A5-4626-A0FB-D55FE603E5F8}"/>
-              </a:ext>
-            </a:extLst>
-          </p:cNvPr>
-          <p:cNvSpPr>
-            <a:spLocks noGrp="1"/>
-          </p:cNvSpPr>
+        <p:spPr>
+          <a:xfrm>
+            <a:off x="0" y="0"/>
+            <a:ext cx="6096000" cy="659003"/>
+          </a:xfrm>
+        </p:spPr>
+        <p:txBody>
+          <a:bodyPr>
+            <a:normAutofit fontScale="90000"/>
+          </a:bodyPr>
+          <a:lstStyle/>
+          <a:p>
+            <a:r>
+              <a:rPr lang="en-US"/>
+              <a:t>Tiến hành nhập dữ liệu:</a:t>
+            </a:r>
+          </a:p>
+        </p:txBody>
+      </p:sp>
+      <p:pic>
+        <p:nvPicPr>
+          <p:cNvPr id="4" name="Content Placeholder 3">
+            <a:extLst>
+              <a:ext uri="{FF2B5EF4-FFF2-40B4-BE49-F238E27FC236}">
+                <a16:creationId xmlns:a16="http://schemas.microsoft.com/office/drawing/2014/main" id="{ED9EBBEB-39BB-4FD0-B942-A2433BA68C96}"/>
+              </a:ext>
+            </a:extLst>
+          </p:cNvPr>
+          <p:cNvPicPr>
+            <a:picLocks noGrp="1" noChangeAspect="1"/>
+          </p:cNvPicPr>
           <p:nvPr>
             <p:ph idx="1"/>
           </p:nvPr>
-        </p:nvSpPr>
-        <p:spPr/>
-        <p:txBody>
-          <a:bodyPr/>
-          <a:lstStyle/>
-          <a:p>
-            <a:endParaRPr lang="en-US"/>
+        </p:nvPicPr>
+        <p:blipFill>
+          <a:blip r:embed="rId2"/>
+          <a:stretch>
+            <a:fillRect/>
+          </a:stretch>
+        </p:blipFill>
+        <p:spPr>
+          <a:xfrm>
+            <a:off x="306557" y="1161863"/>
+            <a:ext cx="4848902" cy="4953691"/>
+          </a:xfrm>
+          <a:prstGeom prst="rect">
+            <a:avLst/>
+          </a:prstGeom>
+        </p:spPr>
+      </p:pic>
+      <p:sp>
+        <p:nvSpPr>
+          <p:cNvPr id="5" name="TextBox 4">
+            <a:extLst>
+              <a:ext uri="{FF2B5EF4-FFF2-40B4-BE49-F238E27FC236}">
+                <a16:creationId xmlns:a16="http://schemas.microsoft.com/office/drawing/2014/main" id="{7914C93F-C6A1-46B1-9CFC-E3294F64C70D}"/>
+              </a:ext>
+            </a:extLst>
+          </p:cNvPr>
+          <p:cNvSpPr txBox="1"/>
+          <p:nvPr/>
+        </p:nvSpPr>
+        <p:spPr>
+          <a:xfrm>
+            <a:off x="5779243" y="1161863"/>
+            <a:ext cx="2606040" cy="369332"/>
+          </a:xfrm>
+          <a:prstGeom prst="rect">
+            <a:avLst/>
+          </a:prstGeom>
+          <a:noFill/>
+        </p:spPr>
+        <p:txBody>
+          <a:bodyPr wrap="square" rtlCol="0">
+            <a:spAutoFit/>
+          </a:bodyPr>
+          <a:lstStyle/>
+          <a:p>
+            <a:r>
+              <a:rPr lang="en-US"/>
+              <a:t>Chạy công cụ để ImPort</a:t>
+            </a:r>
+          </a:p>
+        </p:txBody>
+      </p:sp>
+      <p:sp>
+        <p:nvSpPr>
+          <p:cNvPr id="6" name="TextBox 5">
+            <a:extLst>
+              <a:ext uri="{FF2B5EF4-FFF2-40B4-BE49-F238E27FC236}">
+                <a16:creationId xmlns:a16="http://schemas.microsoft.com/office/drawing/2014/main" id="{E06DC3D3-0CA3-410D-BDFE-8EF5235DA5D5}"/>
+              </a:ext>
+            </a:extLst>
+          </p:cNvPr>
+          <p:cNvSpPr txBox="1"/>
+          <p:nvPr/>
+        </p:nvSpPr>
+        <p:spPr>
+          <a:xfrm>
+            <a:off x="5943600" y="3026664"/>
+            <a:ext cx="5614416" cy="954107"/>
+          </a:xfrm>
+          <a:prstGeom prst="rect">
+            <a:avLst/>
+          </a:prstGeom>
+          <a:noFill/>
+        </p:spPr>
+        <p:txBody>
+          <a:bodyPr wrap="square" rtlCol="0">
+            <a:spAutoFit/>
+          </a:bodyPr>
+          <a:lstStyle/>
+          <a:p>
+            <a:r>
+              <a:rPr lang="en-US" sz="2800" b="1" u="sng">
+                <a:solidFill>
+                  <a:srgbClr val="FF0000"/>
+                </a:solidFill>
+              </a:rPr>
+              <a:t>Chú ý: Khi nhập thì phải nhập hình ảnh vào tr</a:t>
+            </a:r>
+            <a:r>
+              <a:rPr lang="vi-VN" sz="2800" b="1" u="sng">
+                <a:solidFill>
+                  <a:srgbClr val="FF0000"/>
+                </a:solidFill>
+              </a:rPr>
+              <a:t>ư</a:t>
+            </a:r>
+            <a:r>
+              <a:rPr lang="en-US" sz="2800" b="1" u="sng">
+                <a:solidFill>
+                  <a:srgbClr val="FF0000"/>
+                </a:solidFill>
+              </a:rPr>
+              <a:t>ớc</a:t>
+            </a:r>
+            <a:r>
+              <a:rPr lang="en-US"/>
+              <a:t>.</a:t>
+            </a:r>
           </a:p>
         </p:txBody>
       </p:sp>
@@ -3822,53 +4256,133 @@
           <a:chExt cx="0" cy="0"/>
         </a:xfrm>
       </p:grpSpPr>
-      <p:sp>
-        <p:nvSpPr>
-          <p:cNvPr id="2" name="Title 1">
-            <a:extLst>
-              <a:ext uri="{FF2B5EF4-FFF2-40B4-BE49-F238E27FC236}">
-                <a16:creationId xmlns:a16="http://schemas.microsoft.com/office/drawing/2014/main" id="{CE00DC7F-AF60-418E-B2CA-C5FBF5A1BF6A}"/>
-              </a:ext>
-            </a:extLst>
-          </p:cNvPr>
-          <p:cNvSpPr>
-            <a:spLocks noGrp="1"/>
-          </p:cNvSpPr>
-          <p:nvPr>
-            <p:ph type="title"/>
-          </p:nvPr>
-        </p:nvSpPr>
-        <p:spPr/>
-        <p:txBody>
-          <a:bodyPr/>
-          <a:lstStyle/>
-          <a:p>
-            <a:endParaRPr lang="en-US"/>
-          </a:p>
-        </p:txBody>
-      </p:sp>
-      <p:sp>
-        <p:nvSpPr>
-          <p:cNvPr id="3" name="Content Placeholder 2">
-            <a:extLst>
-              <a:ext uri="{FF2B5EF4-FFF2-40B4-BE49-F238E27FC236}">
-                <a16:creationId xmlns:a16="http://schemas.microsoft.com/office/drawing/2014/main" id="{DF326C49-EC24-46AA-995E-C46C0E79C8DC}"/>
-              </a:ext>
-            </a:extLst>
-          </p:cNvPr>
-          <p:cNvSpPr>
-            <a:spLocks noGrp="1"/>
-          </p:cNvSpPr>
-          <p:nvPr>
-            <p:ph idx="1"/>
-          </p:nvPr>
-        </p:nvSpPr>
-        <p:spPr/>
-        <p:txBody>
-          <a:bodyPr/>
-          <a:lstStyle/>
-          <a:p>
-            <a:endParaRPr lang="en-US"/>
+      <p:pic>
+        <p:nvPicPr>
+          <p:cNvPr id="4" name="Picture 3">
+            <a:extLst>
+              <a:ext uri="{FF2B5EF4-FFF2-40B4-BE49-F238E27FC236}">
+                <a16:creationId xmlns:a16="http://schemas.microsoft.com/office/drawing/2014/main" id="{829CD522-8D35-4A82-95AB-A24E33F419C5}"/>
+              </a:ext>
+            </a:extLst>
+          </p:cNvPr>
+          <p:cNvPicPr>
+            <a:picLocks noChangeAspect="1"/>
+          </p:cNvPicPr>
+          <p:nvPr/>
+        </p:nvPicPr>
+        <p:blipFill>
+          <a:blip r:embed="rId2"/>
+          <a:stretch>
+            <a:fillRect/>
+          </a:stretch>
+        </p:blipFill>
+        <p:spPr>
+          <a:xfrm>
+            <a:off x="543584" y="509085"/>
+            <a:ext cx="6935168" cy="1743318"/>
+          </a:xfrm>
+          <a:prstGeom prst="rect">
+            <a:avLst/>
+          </a:prstGeom>
+        </p:spPr>
+      </p:pic>
+      <p:sp>
+        <p:nvSpPr>
+          <p:cNvPr id="5" name="TextBox 4">
+            <a:extLst>
+              <a:ext uri="{FF2B5EF4-FFF2-40B4-BE49-F238E27FC236}">
+                <a16:creationId xmlns:a16="http://schemas.microsoft.com/office/drawing/2014/main" id="{462ADFA8-CEAF-40C2-9159-1CBC25F2551C}"/>
+              </a:ext>
+            </a:extLst>
+          </p:cNvPr>
+          <p:cNvSpPr txBox="1"/>
+          <p:nvPr/>
+        </p:nvSpPr>
+        <p:spPr>
+          <a:xfrm>
+            <a:off x="543584" y="2752269"/>
+            <a:ext cx="3629532" cy="369332"/>
+          </a:xfrm>
+          <a:prstGeom prst="rect">
+            <a:avLst/>
+          </a:prstGeom>
+          <a:noFill/>
+        </p:spPr>
+        <p:txBody>
+          <a:bodyPr wrap="square" rtlCol="0">
+            <a:spAutoFit/>
+          </a:bodyPr>
+          <a:lstStyle/>
+          <a:p>
+            <a:r>
+              <a:rPr lang="en-US"/>
+              <a:t>Chọn Tệp sau đó nhấn nút UpLoad</a:t>
+            </a:r>
+          </a:p>
+        </p:txBody>
+      </p:sp>
+      <p:pic>
+        <p:nvPicPr>
+          <p:cNvPr id="6" name="Picture 5">
+            <a:extLst>
+              <a:ext uri="{FF2B5EF4-FFF2-40B4-BE49-F238E27FC236}">
+                <a16:creationId xmlns:a16="http://schemas.microsoft.com/office/drawing/2014/main" id="{EA986D85-9463-496C-A8A9-91836B817058}"/>
+              </a:ext>
+            </a:extLst>
+          </p:cNvPr>
+          <p:cNvPicPr>
+            <a:picLocks noChangeAspect="1"/>
+          </p:cNvPicPr>
+          <p:nvPr/>
+        </p:nvPicPr>
+        <p:blipFill>
+          <a:blip r:embed="rId3"/>
+          <a:stretch>
+            <a:fillRect/>
+          </a:stretch>
+        </p:blipFill>
+        <p:spPr>
+          <a:xfrm>
+            <a:off x="543584" y="3475163"/>
+            <a:ext cx="3629532" cy="2143424"/>
+          </a:xfrm>
+          <a:prstGeom prst="rect">
+            <a:avLst/>
+          </a:prstGeom>
+        </p:spPr>
+      </p:pic>
+      <p:sp>
+        <p:nvSpPr>
+          <p:cNvPr id="7" name="TextBox 6">
+            <a:extLst>
+              <a:ext uri="{FF2B5EF4-FFF2-40B4-BE49-F238E27FC236}">
+                <a16:creationId xmlns:a16="http://schemas.microsoft.com/office/drawing/2014/main" id="{1A3797CA-A4EB-4011-AEA3-268EAEC39657}"/>
+              </a:ext>
+            </a:extLst>
+          </p:cNvPr>
+          <p:cNvSpPr txBox="1"/>
+          <p:nvPr/>
+        </p:nvSpPr>
+        <p:spPr>
+          <a:xfrm>
+            <a:off x="5521909" y="3121601"/>
+            <a:ext cx="3346882" cy="369332"/>
+          </a:xfrm>
+          <a:prstGeom prst="rect">
+            <a:avLst/>
+          </a:prstGeom>
+          <a:noFill/>
+        </p:spPr>
+        <p:txBody>
+          <a:bodyPr wrap="square" rtlCol="0">
+            <a:spAutoFit/>
+          </a:bodyPr>
+          <a:lstStyle/>
+          <a:p>
+            <a:r>
+              <a:rPr lang="en-US"/>
+              <a:t>Đang trong quá trình Import</a:t>
+            </a:r>
           </a:p>
         </p:txBody>
       </p:sp>
@@ -3902,53 +4416,141 @@
           <a:chExt cx="0" cy="0"/>
         </a:xfrm>
       </p:grpSpPr>
-      <p:sp>
-        <p:nvSpPr>
-          <p:cNvPr id="2" name="Title 1">
-            <a:extLst>
-              <a:ext uri="{FF2B5EF4-FFF2-40B4-BE49-F238E27FC236}">
-                <a16:creationId xmlns:a16="http://schemas.microsoft.com/office/drawing/2014/main" id="{1440A57F-5D6A-4E66-9730-5182984DA728}"/>
-              </a:ext>
-            </a:extLst>
-          </p:cNvPr>
-          <p:cNvSpPr>
-            <a:spLocks noGrp="1"/>
-          </p:cNvSpPr>
-          <p:nvPr>
-            <p:ph type="title"/>
-          </p:nvPr>
-        </p:nvSpPr>
-        <p:spPr/>
-        <p:txBody>
-          <a:bodyPr/>
-          <a:lstStyle/>
-          <a:p>
-            <a:endParaRPr lang="en-US"/>
-          </a:p>
-        </p:txBody>
-      </p:sp>
-      <p:sp>
-        <p:nvSpPr>
-          <p:cNvPr id="3" name="Content Placeholder 2">
-            <a:extLst>
-              <a:ext uri="{FF2B5EF4-FFF2-40B4-BE49-F238E27FC236}">
-                <a16:creationId xmlns:a16="http://schemas.microsoft.com/office/drawing/2014/main" id="{AD5524D4-D189-4B63-BDBE-A23B1533E7A5}"/>
-              </a:ext>
-            </a:extLst>
-          </p:cNvPr>
-          <p:cNvSpPr>
-            <a:spLocks noGrp="1"/>
-          </p:cNvSpPr>
-          <p:nvPr>
-            <p:ph idx="1"/>
-          </p:nvPr>
-        </p:nvSpPr>
-        <p:spPr/>
-        <p:txBody>
-          <a:bodyPr/>
-          <a:lstStyle/>
-          <a:p>
-            <a:endParaRPr lang="en-US"/>
+      <p:pic>
+        <p:nvPicPr>
+          <p:cNvPr id="4" name="Picture 3">
+            <a:extLst>
+              <a:ext uri="{FF2B5EF4-FFF2-40B4-BE49-F238E27FC236}">
+                <a16:creationId xmlns:a16="http://schemas.microsoft.com/office/drawing/2014/main" id="{390B1234-7C83-4578-A545-C7A0765D3EF3}"/>
+              </a:ext>
+            </a:extLst>
+          </p:cNvPr>
+          <p:cNvPicPr>
+            <a:picLocks noChangeAspect="1"/>
+          </p:cNvPicPr>
+          <p:nvPr/>
+        </p:nvPicPr>
+        <p:blipFill>
+          <a:blip r:embed="rId2"/>
+          <a:stretch>
+            <a:fillRect/>
+          </a:stretch>
+        </p:blipFill>
+        <p:spPr>
+          <a:xfrm>
+            <a:off x="761580" y="538363"/>
+            <a:ext cx="4458490" cy="2187082"/>
+          </a:xfrm>
+          <a:prstGeom prst="rect">
+            <a:avLst/>
+          </a:prstGeom>
+        </p:spPr>
+      </p:pic>
+      <p:sp>
+        <p:nvSpPr>
+          <p:cNvPr id="5" name="TextBox 4">
+            <a:extLst>
+              <a:ext uri="{FF2B5EF4-FFF2-40B4-BE49-F238E27FC236}">
+                <a16:creationId xmlns:a16="http://schemas.microsoft.com/office/drawing/2014/main" id="{9E6DDF88-1882-421E-914E-0C6FE997648F}"/>
+              </a:ext>
+            </a:extLst>
+          </p:cNvPr>
+          <p:cNvSpPr txBox="1"/>
+          <p:nvPr/>
+        </p:nvSpPr>
+        <p:spPr>
+          <a:xfrm>
+            <a:off x="5795640" y="786938"/>
+            <a:ext cx="2352583" cy="369332"/>
+          </a:xfrm>
+          <a:prstGeom prst="rect">
+            <a:avLst/>
+          </a:prstGeom>
+          <a:noFill/>
+        </p:spPr>
+        <p:txBody>
+          <a:bodyPr wrap="square" rtlCol="0">
+            <a:spAutoFit/>
+          </a:bodyPr>
+          <a:lstStyle/>
+          <a:p>
+            <a:r>
+              <a:rPr lang="en-US"/>
+              <a:t>ImPort thành công.</a:t>
+            </a:r>
+          </a:p>
+        </p:txBody>
+      </p:sp>
+      <p:pic>
+        <p:nvPicPr>
+          <p:cNvPr id="6" name="Picture 5">
+            <a:extLst>
+              <a:ext uri="{FF2B5EF4-FFF2-40B4-BE49-F238E27FC236}">
+                <a16:creationId xmlns:a16="http://schemas.microsoft.com/office/drawing/2014/main" id="{0D480651-C1CB-426D-AC81-977811BBE5BF}"/>
+              </a:ext>
+            </a:extLst>
+          </p:cNvPr>
+          <p:cNvPicPr>
+            <a:picLocks noChangeAspect="1"/>
+          </p:cNvPicPr>
+          <p:nvPr/>
+        </p:nvPicPr>
+        <p:blipFill>
+          <a:blip r:embed="rId3"/>
+          <a:stretch>
+            <a:fillRect/>
+          </a:stretch>
+        </p:blipFill>
+        <p:spPr>
+          <a:xfrm>
+            <a:off x="761580" y="4518694"/>
+            <a:ext cx="3180105" cy="736887"/>
+          </a:xfrm>
+          <a:prstGeom prst="rect">
+            <a:avLst/>
+          </a:prstGeom>
+        </p:spPr>
+      </p:pic>
+      <p:sp>
+        <p:nvSpPr>
+          <p:cNvPr id="7" name="TextBox 6">
+            <a:extLst>
+              <a:ext uri="{FF2B5EF4-FFF2-40B4-BE49-F238E27FC236}">
+                <a16:creationId xmlns:a16="http://schemas.microsoft.com/office/drawing/2014/main" id="{0F1055F9-ABF0-45F0-8986-5BD30C36FDFD}"/>
+              </a:ext>
+            </a:extLst>
+          </p:cNvPr>
+          <p:cNvSpPr txBox="1"/>
+          <p:nvPr/>
+        </p:nvSpPr>
+        <p:spPr>
+          <a:xfrm>
+            <a:off x="5065131" y="4518694"/>
+            <a:ext cx="6365289" cy="646331"/>
+          </a:xfrm>
+          <a:prstGeom prst="rect">
+            <a:avLst/>
+          </a:prstGeom>
+          <a:noFill/>
+        </p:spPr>
+        <p:txBody>
+          <a:bodyPr wrap="square" rtlCol="0">
+            <a:spAutoFit/>
+          </a:bodyPr>
+          <a:lstStyle/>
+          <a:p>
+            <a:r>
+              <a:rPr lang="en-US"/>
+              <a:t>L</a:t>
+            </a:r>
+            <a:r>
+              <a:rPr lang="vi-VN"/>
+              <a:t>ư</a:t>
+            </a:r>
+            <a:r>
+              <a:rPr lang="en-US"/>
+              <a:t>u ý 2 phiên bản express phải cùng phiên bản nếu ko sẽ rất dễ phát sinh lỗi.</a:t>
+            </a:r>
           </a:p>
         </p:txBody>
       </p:sp>
@@ -4067,7 +4669,7 @@
           <p:cNvPr id="2" name="Title 1">
             <a:extLst>
               <a:ext uri="{FF2B5EF4-FFF2-40B4-BE49-F238E27FC236}">
-                <a16:creationId xmlns:a16="http://schemas.microsoft.com/office/drawing/2014/main" id="{D6A7FF7D-8F5F-48B2-B254-C186AD6254AA}"/>
+                <a16:creationId xmlns:a16="http://schemas.microsoft.com/office/drawing/2014/main" id="{60F38305-7FFD-4C71-A869-8E2C56A5B659}"/>
               </a:ext>
             </a:extLst>
           </p:cNvPr>
@@ -4092,7 +4694,7 @@
           <p:cNvPr id="3" name="Content Placeholder 2">
             <a:extLst>
               <a:ext uri="{FF2B5EF4-FFF2-40B4-BE49-F238E27FC236}">
-                <a16:creationId xmlns:a16="http://schemas.microsoft.com/office/drawing/2014/main" id="{EAB1489A-CF1F-4A5D-913C-4501BA4FBD0F}"/>
+                <a16:creationId xmlns:a16="http://schemas.microsoft.com/office/drawing/2014/main" id="{096E20AD-67FD-4E6C-B267-D2384346A345}"/>
               </a:ext>
             </a:extLst>
           </p:cNvPr>
@@ -4115,7 +4717,7 @@
     </p:spTree>
     <p:extLst>
       <p:ext uri="{BB962C8B-B14F-4D97-AF65-F5344CB8AC3E}">
-        <p14:creationId xmlns:p14="http://schemas.microsoft.com/office/powerpoint/2010/main" val="716349273"/>
+        <p14:creationId xmlns:p14="http://schemas.microsoft.com/office/powerpoint/2010/main" val="3318136101"/>
       </p:ext>
     </p:extLst>
   </p:cSld>
